--- a/Proyecto_1/diagramas.pptx
+++ b/Proyecto_1/diagramas.pptx
@@ -10,7 +10,7 @@
     <p:sldId id="258" r:id="rId4"/>
     <p:sldId id="259" r:id="rId5"/>
     <p:sldId id="260" r:id="rId6"/>
-    <p:sldId id="261" r:id="rId7"/>
+    <p:sldId id="262" r:id="rId7"/>
   </p:sldIdLst>
   <p:sldSz cx="12192000" cy="6858000"/>
   <p:notesSz cx="6858000" cy="9144000"/>
@@ -5565,398 +5565,286 @@
           <a:chExt cx="0" cy="0"/>
         </a:xfrm>
       </p:grpSpPr>
-      <p:graphicFrame>
-        <p:nvGraphicFramePr>
-          <p:cNvPr id="3" name="Tabla 2"/>
-          <p:cNvGraphicFramePr>
-            <a:graphicFrameLocks noGrp="1"/>
-          </p:cNvGraphicFramePr>
-          <p:nvPr>
-            <p:extLst>
-              <p:ext uri="{D42A27DB-BD31-4B8C-83A1-F6EECF244321}">
-                <p14:modId xmlns:p14="http://schemas.microsoft.com/office/powerpoint/2010/main" val="2978358545"/>
-              </p:ext>
-            </p:extLst>
-          </p:nvPr>
-        </p:nvGraphicFramePr>
-        <p:xfrm>
-          <a:off x="2031998" y="719666"/>
-          <a:ext cx="8182920" cy="4783210"/>
-        </p:xfrm>
-        <a:graphic>
-          <a:graphicData uri="http://schemas.openxmlformats.org/drawingml/2006/table">
-            <a:tbl>
-              <a:tblPr firstRow="1" bandRow="1">
-                <a:tableStyleId>{073A0DAA-6AF3-43AB-8588-CEC1D06C72B9}</a:tableStyleId>
-              </a:tblPr>
-              <a:tblGrid>
-                <a:gridCol w="2045730"/>
-                <a:gridCol w="2045730"/>
-                <a:gridCol w="2045730"/>
-                <a:gridCol w="2045730"/>
-              </a:tblGrid>
-              <a:tr h="956642">
-                <a:tc>
-                  <a:txBody>
-                    <a:bodyPr/>
-                    <a:lstStyle/>
-                    <a:p>
-                      <a:pPr algn="ctr"/>
-                      <a:r>
-                        <a:rPr lang="es-CO" dirty="0" smtClean="0"/>
-                        <a:t>Nombre</a:t>
-                      </a:r>
-                      <a:endParaRPr lang="es-CO" dirty="0"/>
-                    </a:p>
-                  </a:txBody>
-                  <a:tcPr/>
-                </a:tc>
-                <a:tc>
-                  <a:txBody>
-                    <a:bodyPr/>
-                    <a:lstStyle/>
-                    <a:p>
-                      <a:pPr algn="ctr"/>
-                      <a:r>
-                        <a:rPr lang="es-CO" dirty="0" smtClean="0"/>
-                        <a:t>Autor</a:t>
-                      </a:r>
-                      <a:r>
-                        <a:rPr lang="es-CO" baseline="0" dirty="0" smtClean="0"/>
-                        <a:t> </a:t>
-                      </a:r>
-                      <a:endParaRPr lang="es-CO" dirty="0"/>
-                    </a:p>
-                  </a:txBody>
-                  <a:tcPr/>
-                </a:tc>
-                <a:tc>
-                  <a:txBody>
-                    <a:bodyPr/>
-                    <a:lstStyle/>
-                    <a:p>
-                      <a:pPr algn="ctr"/>
-                      <a:r>
-                        <a:rPr lang="es-CO" dirty="0" smtClean="0"/>
-                        <a:t>Genero</a:t>
-                      </a:r>
-                      <a:r>
-                        <a:rPr lang="es-CO" baseline="0" dirty="0" smtClean="0"/>
-                        <a:t> </a:t>
-                      </a:r>
-                      <a:endParaRPr lang="es-CO" dirty="0"/>
-                    </a:p>
-                  </a:txBody>
-                  <a:tcPr/>
-                </a:tc>
-                <a:tc>
-                  <a:txBody>
-                    <a:bodyPr/>
-                    <a:lstStyle/>
-                    <a:p>
-                      <a:pPr algn="ctr"/>
-                      <a:r>
-                        <a:rPr lang="es-CO" dirty="0" smtClean="0"/>
-                        <a:t>ID</a:t>
-                      </a:r>
-                      <a:endParaRPr lang="es-CO" dirty="0"/>
-                    </a:p>
-                  </a:txBody>
-                  <a:tcPr/>
-                </a:tc>
-              </a:tr>
-              <a:tr h="956642">
-                <a:tc>
-                  <a:txBody>
-                    <a:bodyPr/>
-                    <a:lstStyle/>
-                    <a:p>
-                      <a:pPr algn="ctr"/>
-                      <a:r>
-                        <a:rPr lang="es-CO" dirty="0" smtClean="0"/>
-                        <a:t>Papi te comiste mis papas </a:t>
-                      </a:r>
-                      <a:endParaRPr lang="es-CO" dirty="0"/>
-                    </a:p>
-                  </a:txBody>
-                  <a:tcPr/>
-                </a:tc>
-                <a:tc>
-                  <a:txBody>
-                    <a:bodyPr/>
-                    <a:lstStyle/>
-                    <a:p>
-                      <a:pPr algn="ctr"/>
-                      <a:r>
-                        <a:rPr lang="es-CO" dirty="0" err="1" smtClean="0"/>
-                        <a:t>Marceline</a:t>
-                      </a:r>
-                      <a:endParaRPr lang="es-CO" dirty="0"/>
-                    </a:p>
-                  </a:txBody>
-                  <a:tcPr/>
-                </a:tc>
-                <a:tc>
-                  <a:txBody>
-                    <a:bodyPr/>
-                    <a:lstStyle/>
-                    <a:p>
-                      <a:pPr algn="ctr"/>
-                      <a:r>
-                        <a:rPr lang="es-CO" dirty="0" smtClean="0"/>
-                        <a:t>rap</a:t>
-                      </a:r>
-                      <a:endParaRPr lang="es-CO" dirty="0"/>
-                    </a:p>
-                  </a:txBody>
-                  <a:tcPr/>
-                </a:tc>
-                <a:tc>
-                  <a:txBody>
-                    <a:bodyPr/>
-                    <a:lstStyle/>
-                    <a:p>
-                      <a:pPr algn="ctr"/>
-                      <a:r>
-                        <a:rPr lang="es-CO" dirty="0" smtClean="0"/>
-                        <a:t>9000</a:t>
-                      </a:r>
-                      <a:endParaRPr lang="es-CO" dirty="0"/>
-                    </a:p>
-                  </a:txBody>
-                  <a:tcPr/>
-                </a:tc>
-              </a:tr>
-              <a:tr h="956642">
-                <a:tc>
-                  <a:txBody>
-                    <a:bodyPr/>
-                    <a:lstStyle/>
-                    <a:p>
-                      <a:pPr algn="ctr"/>
-                      <a:r>
-                        <a:rPr lang="es-CO" dirty="0" smtClean="0"/>
-                        <a:t>Soy un cacahuate</a:t>
-                      </a:r>
-                      <a:endParaRPr lang="es-CO" dirty="0"/>
-                    </a:p>
-                  </a:txBody>
-                  <a:tcPr/>
-                </a:tc>
-                <a:tc>
-                  <a:txBody>
-                    <a:bodyPr/>
-                    <a:lstStyle/>
-                    <a:p>
-                      <a:pPr algn="ctr"/>
-                      <a:r>
-                        <a:rPr lang="es-CO" dirty="0" smtClean="0"/>
-                        <a:t>Bob esponja </a:t>
-                      </a:r>
-                      <a:endParaRPr lang="es-CO" dirty="0"/>
-                    </a:p>
-                  </a:txBody>
-                  <a:tcPr/>
-                </a:tc>
-                <a:tc>
-                  <a:txBody>
-                    <a:bodyPr/>
-                    <a:lstStyle/>
-                    <a:p>
-                      <a:pPr algn="ctr"/>
-                      <a:r>
-                        <a:rPr lang="es-CO" dirty="0" smtClean="0"/>
-                        <a:t>rock</a:t>
-                      </a:r>
-                      <a:endParaRPr lang="es-CO" dirty="0"/>
-                    </a:p>
-                  </a:txBody>
-                  <a:tcPr/>
-                </a:tc>
-                <a:tc>
-                  <a:txBody>
-                    <a:bodyPr/>
-                    <a:lstStyle/>
-                    <a:p>
-                      <a:pPr algn="ctr"/>
-                      <a:r>
-                        <a:rPr lang="es-CO" dirty="0" smtClean="0"/>
-                        <a:t>5904</a:t>
-                      </a:r>
-                      <a:endParaRPr lang="es-CO" dirty="0"/>
-                    </a:p>
-                  </a:txBody>
-                  <a:tcPr/>
-                </a:tc>
-              </a:tr>
-              <a:tr h="956642">
-                <a:tc>
-                  <a:txBody>
-                    <a:bodyPr/>
-                    <a:lstStyle/>
-                    <a:p>
-                      <a:pPr algn="ctr"/>
-                      <a:r>
-                        <a:rPr lang="es-CO" dirty="0" smtClean="0"/>
-                        <a:t>El</a:t>
-                      </a:r>
-                      <a:r>
-                        <a:rPr lang="es-CO" baseline="0" dirty="0" smtClean="0"/>
-                        <a:t> rap de los </a:t>
-                      </a:r>
-                      <a:r>
-                        <a:rPr lang="es-CO" baseline="0" dirty="0" err="1" smtClean="0"/>
-                        <a:t>pixies</a:t>
-                      </a:r>
-                      <a:endParaRPr lang="es-CO" dirty="0"/>
-                    </a:p>
-                  </a:txBody>
-                  <a:tcPr/>
-                </a:tc>
-                <a:tc>
-                  <a:txBody>
-                    <a:bodyPr/>
-                    <a:lstStyle/>
-                    <a:p>
-                      <a:pPr algn="ctr"/>
-                      <a:r>
-                        <a:rPr lang="es-CO" dirty="0" smtClean="0"/>
-                        <a:t>Los</a:t>
-                      </a:r>
-                      <a:r>
-                        <a:rPr lang="es-CO" baseline="0" dirty="0" smtClean="0"/>
-                        <a:t> </a:t>
-                      </a:r>
-                      <a:r>
-                        <a:rPr lang="es-CO" baseline="0" dirty="0" err="1" smtClean="0"/>
-                        <a:t>pixies</a:t>
-                      </a:r>
-                      <a:endParaRPr lang="es-CO" dirty="0"/>
-                    </a:p>
-                  </a:txBody>
-                  <a:tcPr/>
-                </a:tc>
-                <a:tc>
-                  <a:txBody>
-                    <a:bodyPr/>
-                    <a:lstStyle/>
-                    <a:p>
-                      <a:pPr algn="ctr"/>
-                      <a:r>
-                        <a:rPr lang="es-CO" dirty="0" smtClean="0"/>
-                        <a:t>rap</a:t>
-                      </a:r>
-                      <a:endParaRPr lang="es-CO" dirty="0"/>
-                    </a:p>
-                  </a:txBody>
-                  <a:tcPr/>
-                </a:tc>
-                <a:tc>
-                  <a:txBody>
-                    <a:bodyPr/>
-                    <a:lstStyle/>
-                    <a:p>
-                      <a:pPr algn="ctr"/>
-                      <a:r>
-                        <a:rPr lang="es-CO" dirty="0" smtClean="0"/>
-                        <a:t>1365</a:t>
-                      </a:r>
-                      <a:endParaRPr lang="es-CO" dirty="0"/>
-                    </a:p>
-                  </a:txBody>
-                  <a:tcPr/>
-                </a:tc>
-              </a:tr>
-              <a:tr h="956642">
-                <a:tc>
-                  <a:txBody>
-                    <a:bodyPr/>
-                    <a:lstStyle/>
-                    <a:p>
-                      <a:pPr algn="ctr"/>
-                      <a:r>
-                        <a:rPr lang="es-CO" dirty="0" err="1" smtClean="0"/>
-                        <a:t>The</a:t>
-                      </a:r>
-                      <a:r>
-                        <a:rPr lang="es-CO" dirty="0" smtClean="0"/>
-                        <a:t> </a:t>
-                      </a:r>
-                      <a:r>
-                        <a:rPr lang="es-CO" dirty="0" err="1" smtClean="0"/>
-                        <a:t>cat</a:t>
-                      </a:r>
-                      <a:r>
-                        <a:rPr lang="es-CO" dirty="0" smtClean="0"/>
-                        <a:t> </a:t>
-                      </a:r>
-                      <a:r>
-                        <a:rPr lang="es-CO" dirty="0" err="1" smtClean="0"/>
-                        <a:t>concerto</a:t>
-                      </a:r>
-                      <a:endParaRPr lang="es-CO" dirty="0"/>
-                    </a:p>
-                  </a:txBody>
-                  <a:tcPr/>
-                </a:tc>
-                <a:tc>
-                  <a:txBody>
-                    <a:bodyPr/>
-                    <a:lstStyle/>
-                    <a:p>
-                      <a:pPr algn="ctr"/>
-                      <a:r>
-                        <a:rPr lang="es-CO" dirty="0" err="1" smtClean="0"/>
-                        <a:t>tom</a:t>
-                      </a:r>
-                      <a:endParaRPr lang="es-CO" dirty="0"/>
-                    </a:p>
-                  </a:txBody>
-                  <a:tcPr/>
-                </a:tc>
-                <a:tc>
-                  <a:txBody>
-                    <a:bodyPr/>
-                    <a:lstStyle/>
-                    <a:p>
-                      <a:pPr algn="ctr"/>
-                      <a:r>
-                        <a:rPr lang="es-CO" dirty="0" err="1" smtClean="0"/>
-                        <a:t>Musica</a:t>
-                      </a:r>
-                      <a:r>
-                        <a:rPr lang="es-CO" baseline="0" dirty="0" smtClean="0"/>
-                        <a:t> </a:t>
-                      </a:r>
-                      <a:r>
-                        <a:rPr lang="es-CO" baseline="0" dirty="0" err="1" smtClean="0"/>
-                        <a:t>clasica</a:t>
-                      </a:r>
-                      <a:endParaRPr lang="es-CO" dirty="0"/>
-                    </a:p>
-                  </a:txBody>
-                  <a:tcPr/>
-                </a:tc>
-                <a:tc>
-                  <a:txBody>
-                    <a:bodyPr/>
-                    <a:lstStyle/>
-                    <a:p>
-                      <a:pPr algn="ctr"/>
-                      <a:r>
-                        <a:rPr lang="es-CO" dirty="0" smtClean="0"/>
-                        <a:t>2189</a:t>
-                      </a:r>
-                      <a:endParaRPr lang="es-CO" dirty="0"/>
-                    </a:p>
-                  </a:txBody>
-                  <a:tcPr/>
-                </a:tc>
-              </a:tr>
-            </a:tbl>
-          </a:graphicData>
-        </a:graphic>
-      </p:graphicFrame>
+      <p:sp>
+        <p:nvSpPr>
+          <p:cNvPr id="5" name="CuadroTexto 4"/>
+          <p:cNvSpPr txBox="1"/>
+          <p:nvPr/>
+        </p:nvSpPr>
+        <p:spPr>
+          <a:xfrm>
+            <a:off x="473676" y="595865"/>
+            <a:ext cx="2702012" cy="369332"/>
+          </a:xfrm>
+          <a:prstGeom prst="rect">
+            <a:avLst/>
+          </a:prstGeom>
+          <a:noFill/>
+        </p:spPr>
+        <p:txBody>
+          <a:bodyPr wrap="square" rtlCol="0">
+            <a:spAutoFit/>
+          </a:bodyPr>
+          <a:lstStyle/>
+          <a:p>
+            <a:pPr algn="ctr"/>
+            <a:r>
+              <a:rPr lang="es-CO" dirty="0" smtClean="0">
+                <a:solidFill>
+                  <a:prstClr val="black"/>
+                </a:solidFill>
+              </a:rPr>
+              <a:t>Contraseña</a:t>
+            </a:r>
+            <a:endParaRPr lang="es-CO" dirty="0">
+              <a:solidFill>
+                <a:prstClr val="black"/>
+              </a:solidFill>
+            </a:endParaRPr>
+          </a:p>
+        </p:txBody>
+      </p:sp>
+      <p:sp>
+        <p:nvSpPr>
+          <p:cNvPr id="7" name="CuadroTexto 6"/>
+          <p:cNvSpPr txBox="1"/>
+          <p:nvPr/>
+        </p:nvSpPr>
+        <p:spPr>
+          <a:xfrm>
+            <a:off x="609599" y="1373810"/>
+            <a:ext cx="2430164" cy="369332"/>
+          </a:xfrm>
+          <a:prstGeom prst="rect">
+            <a:avLst/>
+          </a:prstGeom>
+          <a:noFill/>
+        </p:spPr>
+        <p:txBody>
+          <a:bodyPr wrap="square" rtlCol="0">
+            <a:spAutoFit/>
+          </a:bodyPr>
+          <a:lstStyle/>
+          <a:p>
+            <a:pPr algn="ctr"/>
+            <a:r>
+              <a:rPr lang="es-CO" dirty="0" err="1">
+                <a:solidFill>
+                  <a:prstClr val="black"/>
+                </a:solidFill>
+              </a:rPr>
+              <a:t>Nickname</a:t>
+            </a:r>
+            <a:endParaRPr lang="es-CO" dirty="0">
+              <a:solidFill>
+                <a:prstClr val="black"/>
+              </a:solidFill>
+            </a:endParaRPr>
+          </a:p>
+        </p:txBody>
+      </p:sp>
+      <p:sp>
+        <p:nvSpPr>
+          <p:cNvPr id="8" name="CuadroTexto 7"/>
+          <p:cNvSpPr txBox="1"/>
+          <p:nvPr/>
+        </p:nvSpPr>
+        <p:spPr>
+          <a:xfrm>
+            <a:off x="873202" y="1961083"/>
+            <a:ext cx="2084177" cy="369332"/>
+          </a:xfrm>
+          <a:prstGeom prst="rect">
+            <a:avLst/>
+          </a:prstGeom>
+          <a:noFill/>
+        </p:spPr>
+        <p:txBody>
+          <a:bodyPr wrap="square" rtlCol="0">
+            <a:spAutoFit/>
+          </a:bodyPr>
+          <a:lstStyle/>
+          <a:p>
+            <a:pPr algn="ctr"/>
+            <a:r>
+              <a:rPr lang="es-CO" dirty="0" err="1" smtClean="0">
+                <a:solidFill>
+                  <a:prstClr val="black"/>
+                </a:solidFill>
+              </a:rPr>
+              <a:t>Playlist</a:t>
+            </a:r>
+            <a:r>
+              <a:rPr lang="es-CO" dirty="0" smtClean="0">
+                <a:solidFill>
+                  <a:prstClr val="black"/>
+                </a:solidFill>
+              </a:rPr>
+              <a:t> </a:t>
+            </a:r>
+            <a:r>
+              <a:rPr lang="es-CO" dirty="0" err="1" smtClean="0">
+                <a:solidFill>
+                  <a:prstClr val="black"/>
+                </a:solidFill>
+              </a:rPr>
+              <a:t>guia</a:t>
+            </a:r>
+            <a:endParaRPr lang="es-CO" dirty="0">
+              <a:solidFill>
+                <a:prstClr val="black"/>
+              </a:solidFill>
+            </a:endParaRPr>
+          </a:p>
+        </p:txBody>
+      </p:sp>
+      <p:sp>
+        <p:nvSpPr>
+          <p:cNvPr id="9" name="Rectángulo redondeado 8"/>
+          <p:cNvSpPr/>
+          <p:nvPr/>
+        </p:nvSpPr>
+        <p:spPr>
+          <a:xfrm>
+            <a:off x="3105663" y="595865"/>
+            <a:ext cx="3608173" cy="332947"/>
+          </a:xfrm>
+          <a:prstGeom prst="roundRect">
+            <a:avLst/>
+          </a:prstGeom>
+          <a:solidFill>
+            <a:schemeClr val="bg2">
+              <a:lumMod val="90000"/>
+            </a:schemeClr>
+          </a:solidFill>
+        </p:spPr>
+        <p:style>
+          <a:lnRef idx="2">
+            <a:schemeClr val="accent1">
+              <a:shade val="50000"/>
+            </a:schemeClr>
+          </a:lnRef>
+          <a:fillRef idx="1">
+            <a:schemeClr val="accent1"/>
+          </a:fillRef>
+          <a:effectRef idx="0">
+            <a:schemeClr val="accent1"/>
+          </a:effectRef>
+          <a:fontRef idx="minor">
+            <a:schemeClr val="lt1"/>
+          </a:fontRef>
+        </p:style>
+        <p:txBody>
+          <a:bodyPr rtlCol="0" anchor="ctr"/>
+          <a:lstStyle/>
+          <a:p>
+            <a:pPr algn="ctr"/>
+            <a:endParaRPr lang="es-CO">
+              <a:solidFill>
+                <a:prstClr val="white"/>
+              </a:solidFill>
+            </a:endParaRPr>
+          </a:p>
+        </p:txBody>
+      </p:sp>
+      <p:sp>
+        <p:nvSpPr>
+          <p:cNvPr id="10" name="Rectángulo redondeado 9"/>
+          <p:cNvSpPr/>
+          <p:nvPr/>
+        </p:nvSpPr>
+        <p:spPr>
+          <a:xfrm>
+            <a:off x="3105663" y="1410195"/>
+            <a:ext cx="3608173" cy="332947"/>
+          </a:xfrm>
+          <a:prstGeom prst="roundRect">
+            <a:avLst/>
+          </a:prstGeom>
+          <a:solidFill>
+            <a:schemeClr val="bg2">
+              <a:lumMod val="90000"/>
+            </a:schemeClr>
+          </a:solidFill>
+        </p:spPr>
+        <p:style>
+          <a:lnRef idx="2">
+            <a:schemeClr val="accent1">
+              <a:shade val="50000"/>
+            </a:schemeClr>
+          </a:lnRef>
+          <a:fillRef idx="1">
+            <a:schemeClr val="accent1"/>
+          </a:fillRef>
+          <a:effectRef idx="0">
+            <a:schemeClr val="accent1"/>
+          </a:effectRef>
+          <a:fontRef idx="minor">
+            <a:schemeClr val="lt1"/>
+          </a:fontRef>
+        </p:style>
+        <p:txBody>
+          <a:bodyPr rtlCol="0" anchor="ctr"/>
+          <a:lstStyle/>
+          <a:p>
+            <a:pPr algn="ctr"/>
+            <a:endParaRPr lang="es-CO">
+              <a:solidFill>
+                <a:prstClr val="white"/>
+              </a:solidFill>
+            </a:endParaRPr>
+          </a:p>
+        </p:txBody>
+      </p:sp>
+      <p:sp>
+        <p:nvSpPr>
+          <p:cNvPr id="11" name="Rectángulo redondeado 10"/>
+          <p:cNvSpPr/>
+          <p:nvPr/>
+        </p:nvSpPr>
+        <p:spPr>
+          <a:xfrm>
+            <a:off x="3105663" y="2090500"/>
+            <a:ext cx="3608173" cy="332947"/>
+          </a:xfrm>
+          <a:prstGeom prst="roundRect">
+            <a:avLst/>
+          </a:prstGeom>
+          <a:solidFill>
+            <a:schemeClr val="bg2">
+              <a:lumMod val="90000"/>
+            </a:schemeClr>
+          </a:solidFill>
+        </p:spPr>
+        <p:style>
+          <a:lnRef idx="2">
+            <a:schemeClr val="accent1">
+              <a:shade val="50000"/>
+            </a:schemeClr>
+          </a:lnRef>
+          <a:fillRef idx="1">
+            <a:schemeClr val="accent1"/>
+          </a:fillRef>
+          <a:effectRef idx="0">
+            <a:schemeClr val="accent1"/>
+          </a:effectRef>
+          <a:fontRef idx="minor">
+            <a:schemeClr val="lt1"/>
+          </a:fontRef>
+        </p:style>
+        <p:txBody>
+          <a:bodyPr rtlCol="0" anchor="ctr"/>
+          <a:lstStyle/>
+          <a:p>
+            <a:pPr algn="ctr"/>
+            <a:endParaRPr lang="es-CO">
+              <a:solidFill>
+                <a:prstClr val="white"/>
+              </a:solidFill>
+            </a:endParaRPr>
+          </a:p>
+        </p:txBody>
+      </p:sp>
       <p:sp>
         <p:nvSpPr>
           <p:cNvPr id="14" name="CuadroTexto 13"/>
@@ -5985,7 +5873,7 @@
                   <a:schemeClr val="bg1"/>
                 </a:solidFill>
               </a:rPr>
-              <a:t>RECOMENDACIÓN </a:t>
+              <a:t>RECOMENDAR CANCIONES </a:t>
             </a:r>
             <a:endParaRPr lang="es-CO" sz="2400" b="1" dirty="0">
               <a:solidFill>
@@ -5995,10 +5883,83 @@
           </a:p>
         </p:txBody>
       </p:sp>
+      <p:sp>
+        <p:nvSpPr>
+          <p:cNvPr id="15" name="Rectángulo 14"/>
+          <p:cNvSpPr/>
+          <p:nvPr/>
+        </p:nvSpPr>
+        <p:spPr>
+          <a:xfrm>
+            <a:off x="3769568" y="2966049"/>
+            <a:ext cx="1996751" cy="513184"/>
+          </a:xfrm>
+          <a:prstGeom prst="rect">
+            <a:avLst/>
+          </a:prstGeom>
+          <a:solidFill>
+            <a:schemeClr val="bg2"/>
+          </a:solidFill>
+        </p:spPr>
+        <p:style>
+          <a:lnRef idx="2">
+            <a:schemeClr val="accent1">
+              <a:shade val="50000"/>
+            </a:schemeClr>
+          </a:lnRef>
+          <a:fillRef idx="1">
+            <a:schemeClr val="accent1"/>
+          </a:fillRef>
+          <a:effectRef idx="0">
+            <a:schemeClr val="accent1"/>
+          </a:effectRef>
+          <a:fontRef idx="minor">
+            <a:schemeClr val="lt1"/>
+          </a:fontRef>
+        </p:style>
+        <p:txBody>
+          <a:bodyPr rtlCol="0" anchor="ctr"/>
+          <a:lstStyle/>
+          <a:p>
+            <a:pPr algn="ctr"/>
+            <a:endParaRPr lang="es-CO"/>
+          </a:p>
+        </p:txBody>
+      </p:sp>
+      <p:sp>
+        <p:nvSpPr>
+          <p:cNvPr id="16" name="CuadroTexto 15"/>
+          <p:cNvSpPr txBox="1"/>
+          <p:nvPr/>
+        </p:nvSpPr>
+        <p:spPr>
+          <a:xfrm>
+            <a:off x="4348066" y="3037975"/>
+            <a:ext cx="1418253" cy="369332"/>
+          </a:xfrm>
+          <a:prstGeom prst="rect">
+            <a:avLst/>
+          </a:prstGeom>
+          <a:noFill/>
+        </p:spPr>
+        <p:txBody>
+          <a:bodyPr wrap="square" rtlCol="0">
+            <a:spAutoFit/>
+          </a:bodyPr>
+          <a:lstStyle/>
+          <a:p>
+            <a:r>
+              <a:rPr lang="es-CO" dirty="0" smtClean="0"/>
+              <a:t>Enviar </a:t>
+            </a:r>
+            <a:endParaRPr lang="es-CO" dirty="0"/>
+          </a:p>
+        </p:txBody>
+      </p:sp>
     </p:spTree>
     <p:extLst>
       <p:ext uri="{BB962C8B-B14F-4D97-AF65-F5344CB8AC3E}">
-        <p14:creationId xmlns:p14="http://schemas.microsoft.com/office/powerpoint/2010/main" val="2240925700"/>
+        <p14:creationId xmlns:p14="http://schemas.microsoft.com/office/powerpoint/2010/main" val="1886677170"/>
       </p:ext>
     </p:extLst>
   </p:cSld>

--- a/Proyecto_1/diagramas.pptx
+++ b/Proyecto_1/diagramas.pptx
@@ -109,6 +109,11 @@
       </a:defRPr>
     </a:lvl9pPr>
   </p:defaultTextStyle>
+  <p:extLst>
+    <p:ext uri="{EFAFB233-063F-42B5-8137-9DF3F51BA10A}">
+      <p15:sldGuideLst xmlns:p15="http://schemas.microsoft.com/office/powerpoint/2012/main"/>
+    </p:ext>
+  </p:extLst>
 </p:presentation>
 </file>
 
@@ -3270,11 +3275,7 @@
           <a:p>
             <a:r>
               <a:rPr lang="es-CO" dirty="0" smtClean="0"/>
-              <a:t>Crear una </a:t>
-            </a:r>
-            <a:r>
-              <a:rPr lang="es-CO" dirty="0" err="1" smtClean="0"/>
-              <a:t>playlist</a:t>
+              <a:t>Crear una playlist</a:t>
             </a:r>
             <a:endParaRPr lang="es-CO" dirty="0"/>
           </a:p>
@@ -3333,11 +3334,7 @@
           <a:p>
             <a:r>
               <a:rPr lang="es-CO" dirty="0" smtClean="0"/>
-              <a:t>añadir canción a una </a:t>
-            </a:r>
-            <a:r>
-              <a:rPr lang="es-CO" dirty="0" err="1" smtClean="0"/>
-              <a:t>playlist</a:t>
+              <a:t>añadir canción a una playlist</a:t>
             </a:r>
             <a:endParaRPr lang="es-CO" dirty="0"/>
           </a:p>
@@ -3367,11 +3364,7 @@
           <a:p>
             <a:r>
               <a:rPr lang="es-CO" dirty="0" smtClean="0"/>
-              <a:t>Eliminar canción de una </a:t>
-            </a:r>
-            <a:r>
-              <a:rPr lang="es-CO" dirty="0" err="1" smtClean="0"/>
-              <a:t>playlist</a:t>
+              <a:t>Eliminar canción de una playlist</a:t>
             </a:r>
             <a:endParaRPr lang="es-CO" dirty="0"/>
           </a:p>
@@ -3401,11 +3394,7 @@
           <a:p>
             <a:r>
               <a:rPr lang="es-CO" dirty="0" smtClean="0"/>
-              <a:t>Buscar canción o </a:t>
-            </a:r>
-            <a:r>
-              <a:rPr lang="es-CO" dirty="0" err="1" smtClean="0"/>
-              <a:t>playlist</a:t>
+              <a:t>Buscar canción o playlist</a:t>
             </a:r>
             <a:endParaRPr lang="es-CO" dirty="0"/>
           </a:p>
@@ -3514,7 +3503,7 @@
           <a:p>
             <a:pPr algn="ctr"/>
             <a:r>
-              <a:rPr lang="es-CO" dirty="0" err="1" smtClean="0"/>
+              <a:rPr lang="es-CO" dirty="0" smtClean="0"/>
               <a:t>Nickname</a:t>
             </a:r>
             <a:endParaRPr lang="es-CO" dirty="0"/>
@@ -3546,11 +3535,7 @@
             <a:pPr algn="ctr"/>
             <a:r>
               <a:rPr lang="es-CO" dirty="0" smtClean="0"/>
-              <a:t>Nombre </a:t>
-            </a:r>
-            <a:r>
-              <a:rPr lang="es-CO" dirty="0" err="1" smtClean="0"/>
-              <a:t>playlist</a:t>
+              <a:t>Nombre playlist</a:t>
             </a:r>
             <a:endParaRPr lang="es-CO" dirty="0"/>
           </a:p>
@@ -3909,18 +3894,13 @@
           <a:p>
             <a:pPr algn="ctr"/>
             <a:r>
-              <a:rPr lang="es-CO" dirty="0" err="1">
+              <a:rPr lang="es-CO" dirty="0">
                 <a:solidFill>
                   <a:prstClr val="black"/>
                 </a:solidFill>
               </a:rPr>
               <a:t>Nickname</a:t>
             </a:r>
-            <a:endParaRPr lang="es-CO" dirty="0">
-              <a:solidFill>
-                <a:prstClr val="black"/>
-              </a:solidFill>
-            </a:endParaRPr>
           </a:p>
         </p:txBody>
       </p:sp>
@@ -4382,7 +4362,7 @@
           <a:lstStyle/>
           <a:p>
             <a:r>
-              <a:rPr lang="es-CO" dirty="0" err="1" smtClean="0"/>
+              <a:rPr lang="es-CO" dirty="0" smtClean="0"/>
               <a:t>playlist</a:t>
             </a:r>
             <a:endParaRPr lang="es-CO" dirty="0"/>
@@ -4607,18 +4587,13 @@
           <a:p>
             <a:pPr algn="ctr"/>
             <a:r>
-              <a:rPr lang="es-CO" dirty="0" err="1">
+              <a:rPr lang="es-CO" dirty="0">
                 <a:solidFill>
                   <a:prstClr val="black"/>
                 </a:solidFill>
               </a:rPr>
               <a:t>Nickname</a:t>
             </a:r>
-            <a:endParaRPr lang="es-CO" dirty="0">
-              <a:solidFill>
-                <a:prstClr val="black"/>
-              </a:solidFill>
-            </a:endParaRPr>
           </a:p>
         </p:txBody>
       </p:sp>
@@ -4645,21 +4620,21 @@
           <a:lstStyle/>
           <a:p>
             <a:pPr algn="ctr"/>
-            <a:r>
-              <a:rPr lang="es-CO" dirty="0" err="1" smtClean="0">
-                <a:solidFill>
-                  <a:prstClr val="black"/>
-                </a:solidFill>
-              </a:rPr>
-              <a:t>Cancion</a:t>
-            </a:r>
             <a:r>
               <a:rPr lang="es-CO" dirty="0" smtClean="0">
                 <a:solidFill>
                   <a:prstClr val="black"/>
                 </a:solidFill>
               </a:rPr>
-              <a:t> por añadir</a:t>
+              <a:t>Canción </a:t>
+            </a:r>
+            <a:r>
+              <a:rPr lang="es-CO" dirty="0" smtClean="0">
+                <a:solidFill>
+                  <a:prstClr val="black"/>
+                </a:solidFill>
+              </a:rPr>
+              <a:t>por añadir</a:t>
             </a:r>
             <a:endParaRPr lang="es-CO" dirty="0">
               <a:solidFill>
@@ -4839,12 +4814,8 @@
           <a:lstStyle/>
           <a:p>
             <a:r>
-              <a:rPr lang="es-CO" dirty="0" err="1" smtClean="0"/>
-              <a:t>Playlist</a:t>
-            </a:r>
-            <a:r>
               <a:rPr lang="es-CO" dirty="0" smtClean="0"/>
-              <a:t> a añadir </a:t>
+              <a:t>Playlist a añadir </a:t>
             </a:r>
             <a:endParaRPr lang="es-CO" dirty="0"/>
           </a:p>
@@ -5117,18 +5088,13 @@
           <a:p>
             <a:pPr algn="ctr"/>
             <a:r>
-              <a:rPr lang="es-CO" dirty="0" err="1">
+              <a:rPr lang="es-CO" dirty="0">
                 <a:solidFill>
                   <a:prstClr val="black"/>
                 </a:solidFill>
               </a:rPr>
               <a:t>Nickname</a:t>
             </a:r>
-            <a:endParaRPr lang="es-CO" dirty="0">
-              <a:solidFill>
-                <a:prstClr val="black"/>
-              </a:solidFill>
-            </a:endParaRPr>
           </a:p>
         </p:txBody>
       </p:sp>
@@ -5155,21 +5121,21 @@
           <a:lstStyle/>
           <a:p>
             <a:pPr algn="ctr"/>
-            <a:r>
-              <a:rPr lang="es-CO" dirty="0" err="1" smtClean="0">
-                <a:solidFill>
-                  <a:prstClr val="black"/>
-                </a:solidFill>
-              </a:rPr>
-              <a:t>Cancion</a:t>
-            </a:r>
             <a:r>
               <a:rPr lang="es-CO" dirty="0" smtClean="0">
                 <a:solidFill>
                   <a:prstClr val="black"/>
                 </a:solidFill>
               </a:rPr>
-              <a:t> por eliminar</a:t>
+              <a:t>Canción </a:t>
+            </a:r>
+            <a:r>
+              <a:rPr lang="es-CO" dirty="0" smtClean="0">
+                <a:solidFill>
+                  <a:prstClr val="black"/>
+                </a:solidFill>
+              </a:rPr>
+              <a:t>por eliminar</a:t>
             </a:r>
             <a:endParaRPr lang="es-CO" dirty="0">
               <a:solidFill>
@@ -5350,12 +5316,8 @@
           <a:p>
             <a:pPr algn="ctr"/>
             <a:r>
-              <a:rPr lang="es-CO" dirty="0" err="1" smtClean="0"/>
-              <a:t>Playlist</a:t>
-            </a:r>
-            <a:r>
               <a:rPr lang="es-CO" dirty="0" smtClean="0"/>
-              <a:t> desde la que eliminar</a:t>
+              <a:t>Playlist desde la que eliminar</a:t>
             </a:r>
             <a:endParaRPr lang="es-CO" dirty="0"/>
           </a:p>
@@ -5628,18 +5590,13 @@
           <a:p>
             <a:pPr algn="ctr"/>
             <a:r>
-              <a:rPr lang="es-CO" dirty="0" err="1">
+              <a:rPr lang="es-CO" dirty="0">
                 <a:solidFill>
                   <a:prstClr val="black"/>
                 </a:solidFill>
               </a:rPr>
               <a:t>Nickname</a:t>
             </a:r>
-            <a:endParaRPr lang="es-CO" dirty="0">
-              <a:solidFill>
-                <a:prstClr val="black"/>
-              </a:solidFill>
-            </a:endParaRPr>
           </a:p>
         </p:txBody>
       </p:sp>
@@ -5666,29 +5623,21 @@
           <a:lstStyle/>
           <a:p>
             <a:pPr algn="ctr"/>
-            <a:r>
-              <a:rPr lang="es-CO" dirty="0" err="1" smtClean="0">
-                <a:solidFill>
-                  <a:prstClr val="black"/>
-                </a:solidFill>
-              </a:rPr>
-              <a:t>Playlist</a:t>
-            </a:r>
             <a:r>
               <a:rPr lang="es-CO" dirty="0" smtClean="0">
                 <a:solidFill>
                   <a:prstClr val="black"/>
                 </a:solidFill>
               </a:rPr>
-              <a:t> </a:t>
-            </a:r>
-            <a:r>
-              <a:rPr lang="es-CO" dirty="0" err="1" smtClean="0">
+              <a:t>Playlist </a:t>
+            </a:r>
+            <a:r>
+              <a:rPr lang="es-CO" dirty="0" smtClean="0">
                 <a:solidFill>
                   <a:prstClr val="black"/>
                 </a:solidFill>
               </a:rPr>
-              <a:t>guia</a:t>
+              <a:t>guía</a:t>
             </a:r>
             <a:endParaRPr lang="es-CO" dirty="0">
               <a:solidFill>
